--- a/Presentation/Project Presentation.pptx
+++ b/Presentation/Project Presentation.pptx
@@ -208,7 +208,7 @@
           <a:p>
             <a:fld id="{6DD9D154-8436-422E-99FF-ED81E8BCA54E}" type="datetimeFigureOut">
               <a:rPr lang="en-US" smtClean="0"/>
-              <a:t>11/30/2025</a:t>
+              <a:t>12/9/2025</a:t>
             </a:fld>
             <a:endParaRPr lang="en-US"/>
           </a:p>
@@ -15109,7 +15109,7 @@
                 <a:effectLst/>
                 <a:latin typeface="gg sans"/>
               </a:rPr>
-              <a:t>Primary User Personas</a:t>
+              <a:t>Key Features</a:t>
             </a:r>
             <a:endParaRPr lang="en-US" sz="2800" dirty="0">
               <a:solidFill>
